--- a/Tugas.pptx
+++ b/Tugas.pptx
@@ -7,6 +7,7 @@
   <p:sldIdLst>
     <p:sldId id="257" r:id="rId2"/>
     <p:sldId id="266" r:id="rId3"/>
+    <p:sldId id="267" r:id="rId4"/>
   </p:sldIdLst>
   <p:sldSz cx="12192000" cy="6858000"/>
   <p:notesSz cx="6858000" cy="9144000"/>
@@ -260,7 +261,7 @@
           <a:p>
             <a:fld id="{5B3CB4CE-A440-4301-A5A6-3B71635A135D}" type="datetimeFigureOut">
               <a:rPr lang="en-US" smtClean="0"/>
-              <a:t>9/17/2023</a:t>
+              <a:t>9/18/2023</a:t>
             </a:fld>
             <a:endParaRPr lang="en-US"/>
           </a:p>
@@ -458,7 +459,7 @@
           <a:p>
             <a:fld id="{5B3CB4CE-A440-4301-A5A6-3B71635A135D}" type="datetimeFigureOut">
               <a:rPr lang="en-US" smtClean="0"/>
-              <a:t>9/17/2023</a:t>
+              <a:t>9/18/2023</a:t>
             </a:fld>
             <a:endParaRPr lang="en-US"/>
           </a:p>
@@ -666,7 +667,7 @@
           <a:p>
             <a:fld id="{5B3CB4CE-A440-4301-A5A6-3B71635A135D}" type="datetimeFigureOut">
               <a:rPr lang="en-US" smtClean="0"/>
-              <a:t>9/17/2023</a:t>
+              <a:t>9/18/2023</a:t>
             </a:fld>
             <a:endParaRPr lang="en-US"/>
           </a:p>
@@ -864,7 +865,7 @@
           <a:p>
             <a:fld id="{5B3CB4CE-A440-4301-A5A6-3B71635A135D}" type="datetimeFigureOut">
               <a:rPr lang="en-US" smtClean="0"/>
-              <a:t>9/17/2023</a:t>
+              <a:t>9/18/2023</a:t>
             </a:fld>
             <a:endParaRPr lang="en-US"/>
           </a:p>
@@ -1139,7 +1140,7 @@
           <a:p>
             <a:fld id="{5B3CB4CE-A440-4301-A5A6-3B71635A135D}" type="datetimeFigureOut">
               <a:rPr lang="en-US" smtClean="0"/>
-              <a:t>9/17/2023</a:t>
+              <a:t>9/18/2023</a:t>
             </a:fld>
             <a:endParaRPr lang="en-US"/>
           </a:p>
@@ -1404,7 +1405,7 @@
           <a:p>
             <a:fld id="{5B3CB4CE-A440-4301-A5A6-3B71635A135D}" type="datetimeFigureOut">
               <a:rPr lang="en-US" smtClean="0"/>
-              <a:t>9/17/2023</a:t>
+              <a:t>9/18/2023</a:t>
             </a:fld>
             <a:endParaRPr lang="en-US"/>
           </a:p>
@@ -1816,7 +1817,7 @@
           <a:p>
             <a:fld id="{5B3CB4CE-A440-4301-A5A6-3B71635A135D}" type="datetimeFigureOut">
               <a:rPr lang="en-US" smtClean="0"/>
-              <a:t>9/17/2023</a:t>
+              <a:t>9/18/2023</a:t>
             </a:fld>
             <a:endParaRPr lang="en-US"/>
           </a:p>
@@ -1957,7 +1958,7 @@
           <a:p>
             <a:fld id="{5B3CB4CE-A440-4301-A5A6-3B71635A135D}" type="datetimeFigureOut">
               <a:rPr lang="en-US" smtClean="0"/>
-              <a:t>9/17/2023</a:t>
+              <a:t>9/18/2023</a:t>
             </a:fld>
             <a:endParaRPr lang="en-US"/>
           </a:p>
@@ -2070,7 +2071,7 @@
           <a:p>
             <a:fld id="{5B3CB4CE-A440-4301-A5A6-3B71635A135D}" type="datetimeFigureOut">
               <a:rPr lang="en-US" smtClean="0"/>
-              <a:t>9/17/2023</a:t>
+              <a:t>9/18/2023</a:t>
             </a:fld>
             <a:endParaRPr lang="en-US"/>
           </a:p>
@@ -2381,7 +2382,7 @@
           <a:p>
             <a:fld id="{5B3CB4CE-A440-4301-A5A6-3B71635A135D}" type="datetimeFigureOut">
               <a:rPr lang="en-US" smtClean="0"/>
-              <a:t>9/17/2023</a:t>
+              <a:t>9/18/2023</a:t>
             </a:fld>
             <a:endParaRPr lang="en-US"/>
           </a:p>
@@ -2669,7 +2670,7 @@
           <a:p>
             <a:fld id="{5B3CB4CE-A440-4301-A5A6-3B71635A135D}" type="datetimeFigureOut">
               <a:rPr lang="en-US" smtClean="0"/>
-              <a:t>9/17/2023</a:t>
+              <a:t>9/18/2023</a:t>
             </a:fld>
             <a:endParaRPr lang="en-US"/>
           </a:p>
@@ -2910,7 +2911,7 @@
           <a:p>
             <a:fld id="{5B3CB4CE-A440-4301-A5A6-3B71635A135D}" type="datetimeFigureOut">
               <a:rPr lang="en-US" smtClean="0"/>
-              <a:t>9/17/2023</a:t>
+              <a:t>9/18/2023</a:t>
             </a:fld>
             <a:endParaRPr lang="en-US"/>
           </a:p>
@@ -3383,7 +3384,7 @@
             </a:r>
             <a:r>
               <a:rPr lang="en-US" dirty="0"/>
-              <a:t> functional specification document </a:t>
+              <a:t> specification document </a:t>
             </a:r>
             <a:r>
               <a:rPr lang="en-US" dirty="0" err="1"/>
@@ -3410,7 +3411,7 @@
           <a:p>
             <a:r>
               <a:rPr lang="en-US" dirty="0"/>
-              <a:t>FSD </a:t>
+              <a:t>Specification document </a:t>
             </a:r>
             <a:r>
               <a:rPr lang="en-US" dirty="0" err="1"/>
@@ -3422,11 +3423,11 @@
             </a:r>
             <a:r>
               <a:rPr lang="en-US" dirty="0" err="1"/>
-              <a:t>dengan</a:t>
+              <a:t>melalui</a:t>
             </a:r>
             <a:r>
               <a:rPr lang="en-US" dirty="0"/>
-              <a:t> Notion</a:t>
+              <a:t> platform Notion</a:t>
             </a:r>
           </a:p>
           <a:p>
@@ -3607,8 +3608,13 @@
             </a:pPr>
             <a:r>
               <a:rPr lang="en-US" dirty="0"/>
-              <a:t> List of non-functional requirements</a:t>
-            </a:r>
+              <a:t> List of </a:t>
+            </a:r>
+            <a:r>
+              <a:rPr lang="en-US"/>
+              <a:t>non-functional requirements</a:t>
+            </a:r>
+            <a:endParaRPr lang="en-US" dirty="0"/>
           </a:p>
           <a:p>
             <a:pPr>
@@ -3626,6 +3632,156 @@
     <p:extLst>
       <p:ext uri="{BB962C8B-B14F-4D97-AF65-F5344CB8AC3E}">
         <p14:creationId xmlns:p14="http://schemas.microsoft.com/office/powerpoint/2010/main" val="23486922"/>
+      </p:ext>
+    </p:extLst>
+  </p:cSld>
+  <p:clrMapOvr>
+    <a:masterClrMapping/>
+  </p:clrMapOvr>
+</p:sld>
+</file>
+
+<file path=ppt/slides/slide3.xml><?xml version="1.0" encoding="utf-8"?>
+<p:sld xmlns:a="http://schemas.openxmlformats.org/drawingml/2006/main" xmlns:r="http://schemas.openxmlformats.org/officeDocument/2006/relationships" xmlns:p="http://schemas.openxmlformats.org/presentationml/2006/main">
+  <p:cSld>
+    <p:spTree>
+      <p:nvGrpSpPr>
+        <p:cNvPr id="1" name=""/>
+        <p:cNvGrpSpPr/>
+        <p:nvPr/>
+      </p:nvGrpSpPr>
+      <p:grpSpPr>
+        <a:xfrm>
+          <a:off x="0" y="0"/>
+          <a:ext cx="0" cy="0"/>
+          <a:chOff x="0" y="0"/>
+          <a:chExt cx="0" cy="0"/>
+        </a:xfrm>
+      </p:grpSpPr>
+      <p:sp>
+        <p:nvSpPr>
+          <p:cNvPr id="2" name="Title 1">
+            <a:extLst>
+              <a:ext uri="{FF2B5EF4-FFF2-40B4-BE49-F238E27FC236}">
+                <a16:creationId xmlns:a16="http://schemas.microsoft.com/office/drawing/2014/main" id="{D33320DF-9F13-4EA0-6CDF-8739692A6A02}"/>
+              </a:ext>
+            </a:extLst>
+          </p:cNvPr>
+          <p:cNvSpPr>
+            <a:spLocks noGrp="1"/>
+          </p:cNvSpPr>
+          <p:nvPr>
+            <p:ph type="title"/>
+          </p:nvPr>
+        </p:nvSpPr>
+        <p:spPr/>
+        <p:txBody>
+          <a:bodyPr>
+            <a:normAutofit/>
+          </a:bodyPr>
+          <a:lstStyle/>
+          <a:p>
+            <a:r>
+              <a:rPr lang="en-US" b="1" dirty="0"/>
+              <a:t>Milestone 2</a:t>
+            </a:r>
+          </a:p>
+        </p:txBody>
+      </p:sp>
+      <p:sp>
+        <p:nvSpPr>
+          <p:cNvPr id="3" name="Content Placeholder 2">
+            <a:extLst>
+              <a:ext uri="{FF2B5EF4-FFF2-40B4-BE49-F238E27FC236}">
+                <a16:creationId xmlns:a16="http://schemas.microsoft.com/office/drawing/2014/main" id="{74EB660E-B0B5-4E79-660B-2F35F2A72BC9}"/>
+              </a:ext>
+            </a:extLst>
+          </p:cNvPr>
+          <p:cNvSpPr>
+            <a:spLocks noGrp="1"/>
+          </p:cNvSpPr>
+          <p:nvPr>
+            <p:ph idx="1"/>
+          </p:nvPr>
+        </p:nvSpPr>
+        <p:spPr/>
+        <p:txBody>
+          <a:bodyPr/>
+          <a:lstStyle/>
+          <a:p>
+            <a:pPr>
+              <a:buFont typeface="Wingdings" panose="05000000000000000000" pitchFamily="2" charset="2"/>
+              <a:buChar char="§"/>
+            </a:pPr>
+            <a:r>
+              <a:rPr lang="en-US" dirty="0"/>
+              <a:t> System description</a:t>
+            </a:r>
+          </a:p>
+          <a:p>
+            <a:pPr>
+              <a:buFont typeface="Wingdings" panose="05000000000000000000" pitchFamily="2" charset="2"/>
+              <a:buChar char="§"/>
+            </a:pPr>
+            <a:r>
+              <a:rPr lang="en-US" dirty="0"/>
+              <a:t> List of actors/users</a:t>
+            </a:r>
+          </a:p>
+          <a:p>
+            <a:pPr>
+              <a:buFont typeface="Wingdings" panose="05000000000000000000" pitchFamily="2" charset="2"/>
+              <a:buChar char="§"/>
+            </a:pPr>
+            <a:r>
+              <a:rPr lang="en-US" dirty="0"/>
+              <a:t> List of features (functional requirements)</a:t>
+            </a:r>
+          </a:p>
+          <a:p>
+            <a:pPr>
+              <a:buFont typeface="Wingdings" panose="05000000000000000000" pitchFamily="2" charset="2"/>
+              <a:buChar char="§"/>
+            </a:pPr>
+            <a:r>
+              <a:rPr lang="en-US" dirty="0"/>
+              <a:t> List of non-functional requirements</a:t>
+            </a:r>
+          </a:p>
+          <a:p>
+            <a:pPr>
+              <a:buFont typeface="Wingdings" panose="05000000000000000000" pitchFamily="2" charset="2"/>
+              <a:buChar char="§"/>
+            </a:pPr>
+            <a:r>
+              <a:rPr lang="en-US" dirty="0"/>
+              <a:t> (Optional) Operational requirements</a:t>
+            </a:r>
+          </a:p>
+          <a:p>
+            <a:pPr>
+              <a:buFont typeface="Wingdings" panose="05000000000000000000" pitchFamily="2" charset="2"/>
+              <a:buChar char="§"/>
+            </a:pPr>
+            <a:r>
+              <a:rPr lang="en-US" dirty="0"/>
+              <a:t> </a:t>
+            </a:r>
+            <a:r>
+              <a:rPr lang="en-US" dirty="0">
+                <a:solidFill>
+                  <a:srgbClr val="FF0000"/>
+                </a:solidFill>
+              </a:rPr>
+              <a:t>Data model</a:t>
+            </a:r>
+          </a:p>
+        </p:txBody>
+      </p:sp>
+    </p:spTree>
+    <p:extLst>
+      <p:ext uri="{BB962C8B-B14F-4D97-AF65-F5344CB8AC3E}">
+        <p14:creationId xmlns:p14="http://schemas.microsoft.com/office/powerpoint/2010/main" val="470823523"/>
       </p:ext>
     </p:extLst>
   </p:cSld>

--- a/Tugas.pptx
+++ b/Tugas.pptx
@@ -8,6 +8,7 @@
     <p:sldId id="257" r:id="rId2"/>
     <p:sldId id="266" r:id="rId3"/>
     <p:sldId id="267" r:id="rId4"/>
+    <p:sldId id="268" r:id="rId5"/>
   </p:sldIdLst>
   <p:sldSz cx="12192000" cy="6858000"/>
   <p:notesSz cx="6858000" cy="9144000"/>
@@ -261,7 +262,7 @@
           <a:p>
             <a:fld id="{5B3CB4CE-A440-4301-A5A6-3B71635A135D}" type="datetimeFigureOut">
               <a:rPr lang="en-US" smtClean="0"/>
-              <a:t>9/18/2023</a:t>
+              <a:t>9/19/2023</a:t>
             </a:fld>
             <a:endParaRPr lang="en-US"/>
           </a:p>
@@ -459,7 +460,7 @@
           <a:p>
             <a:fld id="{5B3CB4CE-A440-4301-A5A6-3B71635A135D}" type="datetimeFigureOut">
               <a:rPr lang="en-US" smtClean="0"/>
-              <a:t>9/18/2023</a:t>
+              <a:t>9/19/2023</a:t>
             </a:fld>
             <a:endParaRPr lang="en-US"/>
           </a:p>
@@ -667,7 +668,7 @@
           <a:p>
             <a:fld id="{5B3CB4CE-A440-4301-A5A6-3B71635A135D}" type="datetimeFigureOut">
               <a:rPr lang="en-US" smtClean="0"/>
-              <a:t>9/18/2023</a:t>
+              <a:t>9/19/2023</a:t>
             </a:fld>
             <a:endParaRPr lang="en-US"/>
           </a:p>
@@ -865,7 +866,7 @@
           <a:p>
             <a:fld id="{5B3CB4CE-A440-4301-A5A6-3B71635A135D}" type="datetimeFigureOut">
               <a:rPr lang="en-US" smtClean="0"/>
-              <a:t>9/18/2023</a:t>
+              <a:t>9/19/2023</a:t>
             </a:fld>
             <a:endParaRPr lang="en-US"/>
           </a:p>
@@ -1140,7 +1141,7 @@
           <a:p>
             <a:fld id="{5B3CB4CE-A440-4301-A5A6-3B71635A135D}" type="datetimeFigureOut">
               <a:rPr lang="en-US" smtClean="0"/>
-              <a:t>9/18/2023</a:t>
+              <a:t>9/19/2023</a:t>
             </a:fld>
             <a:endParaRPr lang="en-US"/>
           </a:p>
@@ -1405,7 +1406,7 @@
           <a:p>
             <a:fld id="{5B3CB4CE-A440-4301-A5A6-3B71635A135D}" type="datetimeFigureOut">
               <a:rPr lang="en-US" smtClean="0"/>
-              <a:t>9/18/2023</a:t>
+              <a:t>9/19/2023</a:t>
             </a:fld>
             <a:endParaRPr lang="en-US"/>
           </a:p>
@@ -1817,7 +1818,7 @@
           <a:p>
             <a:fld id="{5B3CB4CE-A440-4301-A5A6-3B71635A135D}" type="datetimeFigureOut">
               <a:rPr lang="en-US" smtClean="0"/>
-              <a:t>9/18/2023</a:t>
+              <a:t>9/19/2023</a:t>
             </a:fld>
             <a:endParaRPr lang="en-US"/>
           </a:p>
@@ -1958,7 +1959,7 @@
           <a:p>
             <a:fld id="{5B3CB4CE-A440-4301-A5A6-3B71635A135D}" type="datetimeFigureOut">
               <a:rPr lang="en-US" smtClean="0"/>
-              <a:t>9/18/2023</a:t>
+              <a:t>9/19/2023</a:t>
             </a:fld>
             <a:endParaRPr lang="en-US"/>
           </a:p>
@@ -2071,7 +2072,7 @@
           <a:p>
             <a:fld id="{5B3CB4CE-A440-4301-A5A6-3B71635A135D}" type="datetimeFigureOut">
               <a:rPr lang="en-US" smtClean="0"/>
-              <a:t>9/18/2023</a:t>
+              <a:t>9/19/2023</a:t>
             </a:fld>
             <a:endParaRPr lang="en-US"/>
           </a:p>
@@ -2382,7 +2383,7 @@
           <a:p>
             <a:fld id="{5B3CB4CE-A440-4301-A5A6-3B71635A135D}" type="datetimeFigureOut">
               <a:rPr lang="en-US" smtClean="0"/>
-              <a:t>9/18/2023</a:t>
+              <a:t>9/19/2023</a:t>
             </a:fld>
             <a:endParaRPr lang="en-US"/>
           </a:p>
@@ -2670,7 +2671,7 @@
           <a:p>
             <a:fld id="{5B3CB4CE-A440-4301-A5A6-3B71635A135D}" type="datetimeFigureOut">
               <a:rPr lang="en-US" smtClean="0"/>
-              <a:t>9/18/2023</a:t>
+              <a:t>9/19/2023</a:t>
             </a:fld>
             <a:endParaRPr lang="en-US"/>
           </a:p>
@@ -2911,7 +2912,7 @@
           <a:p>
             <a:fld id="{5B3CB4CE-A440-4301-A5A6-3B71635A135D}" type="datetimeFigureOut">
               <a:rPr lang="en-US" smtClean="0"/>
-              <a:t>9/18/2023</a:t>
+              <a:t>9/19/2023</a:t>
             </a:fld>
             <a:endParaRPr lang="en-US"/>
           </a:p>
@@ -3791,6 +3792,166 @@
 </p:sld>
 </file>
 
+<file path=ppt/slides/slide4.xml><?xml version="1.0" encoding="utf-8"?>
+<p:sld xmlns:a="http://schemas.openxmlformats.org/drawingml/2006/main" xmlns:r="http://schemas.openxmlformats.org/officeDocument/2006/relationships" xmlns:p="http://schemas.openxmlformats.org/presentationml/2006/main">
+  <p:cSld>
+    <p:spTree>
+      <p:nvGrpSpPr>
+        <p:cNvPr id="1" name=""/>
+        <p:cNvGrpSpPr/>
+        <p:nvPr/>
+      </p:nvGrpSpPr>
+      <p:grpSpPr>
+        <a:xfrm>
+          <a:off x="0" y="0"/>
+          <a:ext cx="0" cy="0"/>
+          <a:chOff x="0" y="0"/>
+          <a:chExt cx="0" cy="0"/>
+        </a:xfrm>
+      </p:grpSpPr>
+      <p:sp>
+        <p:nvSpPr>
+          <p:cNvPr id="2" name="Title 1">
+            <a:extLst>
+              <a:ext uri="{FF2B5EF4-FFF2-40B4-BE49-F238E27FC236}">
+                <a16:creationId xmlns:a16="http://schemas.microsoft.com/office/drawing/2014/main" id="{D33320DF-9F13-4EA0-6CDF-8739692A6A02}"/>
+              </a:ext>
+            </a:extLst>
+          </p:cNvPr>
+          <p:cNvSpPr>
+            <a:spLocks noGrp="1"/>
+          </p:cNvSpPr>
+          <p:nvPr>
+            <p:ph type="title"/>
+          </p:nvPr>
+        </p:nvSpPr>
+        <p:spPr/>
+        <p:txBody>
+          <a:bodyPr>
+            <a:normAutofit/>
+          </a:bodyPr>
+          <a:lstStyle/>
+          <a:p>
+            <a:r>
+              <a:rPr lang="en-US" b="1" dirty="0"/>
+              <a:t>Milestone 3</a:t>
+            </a:r>
+          </a:p>
+        </p:txBody>
+      </p:sp>
+      <p:sp>
+        <p:nvSpPr>
+          <p:cNvPr id="3" name="Content Placeholder 2">
+            <a:extLst>
+              <a:ext uri="{FF2B5EF4-FFF2-40B4-BE49-F238E27FC236}">
+                <a16:creationId xmlns:a16="http://schemas.microsoft.com/office/drawing/2014/main" id="{74EB660E-B0B5-4E79-660B-2F35F2A72BC9}"/>
+              </a:ext>
+            </a:extLst>
+          </p:cNvPr>
+          <p:cNvSpPr>
+            <a:spLocks noGrp="1"/>
+          </p:cNvSpPr>
+          <p:nvPr>
+            <p:ph idx="1"/>
+          </p:nvPr>
+        </p:nvSpPr>
+        <p:spPr/>
+        <p:txBody>
+          <a:bodyPr/>
+          <a:lstStyle/>
+          <a:p>
+            <a:pPr>
+              <a:buFont typeface="Wingdings" panose="05000000000000000000" pitchFamily="2" charset="2"/>
+              <a:buChar char="§"/>
+            </a:pPr>
+            <a:r>
+              <a:rPr lang="en-US" dirty="0"/>
+              <a:t> System description</a:t>
+            </a:r>
+          </a:p>
+          <a:p>
+            <a:pPr>
+              <a:buFont typeface="Wingdings" panose="05000000000000000000" pitchFamily="2" charset="2"/>
+              <a:buChar char="§"/>
+            </a:pPr>
+            <a:r>
+              <a:rPr lang="en-US" dirty="0"/>
+              <a:t> List of actors/users</a:t>
+            </a:r>
+          </a:p>
+          <a:p>
+            <a:pPr>
+              <a:buFont typeface="Wingdings" panose="05000000000000000000" pitchFamily="2" charset="2"/>
+              <a:buChar char="§"/>
+            </a:pPr>
+            <a:r>
+              <a:rPr lang="en-US" dirty="0"/>
+              <a:t> List of features (functional requirements)</a:t>
+            </a:r>
+          </a:p>
+          <a:p>
+            <a:pPr>
+              <a:buFont typeface="Wingdings" panose="05000000000000000000" pitchFamily="2" charset="2"/>
+              <a:buChar char="§"/>
+            </a:pPr>
+            <a:r>
+              <a:rPr lang="en-US" dirty="0"/>
+              <a:t> List of non-functional requirements</a:t>
+            </a:r>
+          </a:p>
+          <a:p>
+            <a:pPr>
+              <a:buFont typeface="Wingdings" panose="05000000000000000000" pitchFamily="2" charset="2"/>
+              <a:buChar char="§"/>
+            </a:pPr>
+            <a:r>
+              <a:rPr lang="en-US" dirty="0"/>
+              <a:t> (Optional) Operational requirements</a:t>
+            </a:r>
+          </a:p>
+          <a:p>
+            <a:pPr>
+              <a:buFont typeface="Wingdings" panose="05000000000000000000" pitchFamily="2" charset="2"/>
+              <a:buChar char="§"/>
+            </a:pPr>
+            <a:r>
+              <a:rPr lang="en-US" dirty="0"/>
+              <a:t> Data model</a:t>
+            </a:r>
+          </a:p>
+          <a:p>
+            <a:pPr>
+              <a:buFont typeface="Wingdings" panose="05000000000000000000" pitchFamily="2" charset="2"/>
+              <a:buChar char="§"/>
+            </a:pPr>
+            <a:r>
+              <a:rPr lang="en-US" dirty="0"/>
+              <a:t> </a:t>
+            </a:r>
+            <a:r>
+              <a:rPr lang="en-US" dirty="0">
+                <a:solidFill>
+                  <a:srgbClr val="FF0000"/>
+                </a:solidFill>
+              </a:rPr>
+              <a:t>Feature flow (1 main feature)</a:t>
+            </a:r>
+          </a:p>
+        </p:txBody>
+      </p:sp>
+    </p:spTree>
+    <p:extLst>
+      <p:ext uri="{BB962C8B-B14F-4D97-AF65-F5344CB8AC3E}">
+        <p14:creationId xmlns:p14="http://schemas.microsoft.com/office/powerpoint/2010/main" val="577904835"/>
+      </p:ext>
+    </p:extLst>
+  </p:cSld>
+  <p:clrMapOvr>
+    <a:masterClrMapping/>
+  </p:clrMapOvr>
+</p:sld>
+</file>
+
 <file path=ppt/theme/theme1.xml><?xml version="1.0" encoding="utf-8"?>
 <a:theme xmlns:a="http://schemas.openxmlformats.org/drawingml/2006/main" name="Office Theme">
   <a:themeElements>

--- a/Tugas.pptx
+++ b/Tugas.pptx
@@ -9,6 +9,7 @@
     <p:sldId id="266" r:id="rId3"/>
     <p:sldId id="267" r:id="rId4"/>
     <p:sldId id="268" r:id="rId5"/>
+    <p:sldId id="269" r:id="rId6"/>
   </p:sldIdLst>
   <p:sldSz cx="12192000" cy="6858000"/>
   <p:notesSz cx="6858000" cy="9144000"/>
@@ -3952,6 +3953,176 @@
 </p:sld>
 </file>
 
+<file path=ppt/slides/slide5.xml><?xml version="1.0" encoding="utf-8"?>
+<p:sld xmlns:a="http://schemas.openxmlformats.org/drawingml/2006/main" xmlns:r="http://schemas.openxmlformats.org/officeDocument/2006/relationships" xmlns:p="http://schemas.openxmlformats.org/presentationml/2006/main">
+  <p:cSld>
+    <p:spTree>
+      <p:nvGrpSpPr>
+        <p:cNvPr id="1" name=""/>
+        <p:cNvGrpSpPr/>
+        <p:nvPr/>
+      </p:nvGrpSpPr>
+      <p:grpSpPr>
+        <a:xfrm>
+          <a:off x="0" y="0"/>
+          <a:ext cx="0" cy="0"/>
+          <a:chOff x="0" y="0"/>
+          <a:chExt cx="0" cy="0"/>
+        </a:xfrm>
+      </p:grpSpPr>
+      <p:sp>
+        <p:nvSpPr>
+          <p:cNvPr id="2" name="Title 1">
+            <a:extLst>
+              <a:ext uri="{FF2B5EF4-FFF2-40B4-BE49-F238E27FC236}">
+                <a16:creationId xmlns:a16="http://schemas.microsoft.com/office/drawing/2014/main" id="{D33320DF-9F13-4EA0-6CDF-8739692A6A02}"/>
+              </a:ext>
+            </a:extLst>
+          </p:cNvPr>
+          <p:cNvSpPr>
+            <a:spLocks noGrp="1"/>
+          </p:cNvSpPr>
+          <p:nvPr>
+            <p:ph type="title"/>
+          </p:nvPr>
+        </p:nvSpPr>
+        <p:spPr/>
+        <p:txBody>
+          <a:bodyPr>
+            <a:normAutofit/>
+          </a:bodyPr>
+          <a:lstStyle/>
+          <a:p>
+            <a:r>
+              <a:rPr lang="en-US" b="1" dirty="0"/>
+              <a:t>Milestone 4</a:t>
+            </a:r>
+          </a:p>
+        </p:txBody>
+      </p:sp>
+      <p:sp>
+        <p:nvSpPr>
+          <p:cNvPr id="3" name="Content Placeholder 2">
+            <a:extLst>
+              <a:ext uri="{FF2B5EF4-FFF2-40B4-BE49-F238E27FC236}">
+                <a16:creationId xmlns:a16="http://schemas.microsoft.com/office/drawing/2014/main" id="{74EB660E-B0B5-4E79-660B-2F35F2A72BC9}"/>
+              </a:ext>
+            </a:extLst>
+          </p:cNvPr>
+          <p:cNvSpPr>
+            <a:spLocks noGrp="1"/>
+          </p:cNvSpPr>
+          <p:nvPr>
+            <p:ph idx="1"/>
+          </p:nvPr>
+        </p:nvSpPr>
+        <p:spPr/>
+        <p:txBody>
+          <a:bodyPr/>
+          <a:lstStyle/>
+          <a:p>
+            <a:pPr>
+              <a:buFont typeface="Wingdings" panose="05000000000000000000" pitchFamily="2" charset="2"/>
+              <a:buChar char="§"/>
+            </a:pPr>
+            <a:r>
+              <a:rPr lang="en-US" dirty="0"/>
+              <a:t> System description</a:t>
+            </a:r>
+          </a:p>
+          <a:p>
+            <a:pPr>
+              <a:buFont typeface="Wingdings" panose="05000000000000000000" pitchFamily="2" charset="2"/>
+              <a:buChar char="§"/>
+            </a:pPr>
+            <a:r>
+              <a:rPr lang="en-US" dirty="0"/>
+              <a:t> List of actors/users</a:t>
+            </a:r>
+          </a:p>
+          <a:p>
+            <a:pPr>
+              <a:buFont typeface="Wingdings" panose="05000000000000000000" pitchFamily="2" charset="2"/>
+              <a:buChar char="§"/>
+            </a:pPr>
+            <a:r>
+              <a:rPr lang="en-US" dirty="0"/>
+              <a:t> List of features (functional requirements)</a:t>
+            </a:r>
+          </a:p>
+          <a:p>
+            <a:pPr>
+              <a:buFont typeface="Wingdings" panose="05000000000000000000" pitchFamily="2" charset="2"/>
+              <a:buChar char="§"/>
+            </a:pPr>
+            <a:r>
+              <a:rPr lang="en-US" dirty="0"/>
+              <a:t> List of non-functional requirements</a:t>
+            </a:r>
+          </a:p>
+          <a:p>
+            <a:pPr>
+              <a:buFont typeface="Wingdings" panose="05000000000000000000" pitchFamily="2" charset="2"/>
+              <a:buChar char="§"/>
+            </a:pPr>
+            <a:r>
+              <a:rPr lang="en-US" dirty="0"/>
+              <a:t> (Optional) Operational requirements</a:t>
+            </a:r>
+          </a:p>
+          <a:p>
+            <a:pPr>
+              <a:buFont typeface="Wingdings" panose="05000000000000000000" pitchFamily="2" charset="2"/>
+              <a:buChar char="§"/>
+            </a:pPr>
+            <a:r>
+              <a:rPr lang="en-US" dirty="0"/>
+              <a:t> Data model</a:t>
+            </a:r>
+          </a:p>
+          <a:p>
+            <a:pPr>
+              <a:buFont typeface="Wingdings" panose="05000000000000000000" pitchFamily="2" charset="2"/>
+              <a:buChar char="§"/>
+            </a:pPr>
+            <a:r>
+              <a:rPr lang="en-US" dirty="0"/>
+              <a:t> Feature flow (1 main feature)</a:t>
+            </a:r>
+          </a:p>
+          <a:p>
+            <a:pPr>
+              <a:buFont typeface="Wingdings" panose="05000000000000000000" pitchFamily="2" charset="2"/>
+              <a:buChar char="§"/>
+            </a:pPr>
+            <a:r>
+              <a:rPr lang="en-US" dirty="0"/>
+              <a:t> </a:t>
+            </a:r>
+            <a:r>
+              <a:rPr lang="en-US" dirty="0">
+                <a:solidFill>
+                  <a:srgbClr val="FF0000"/>
+                </a:solidFill>
+              </a:rPr>
+              <a:t>Test scenario for the feature flow</a:t>
+            </a:r>
+          </a:p>
+        </p:txBody>
+      </p:sp>
+    </p:spTree>
+    <p:extLst>
+      <p:ext uri="{BB962C8B-B14F-4D97-AF65-F5344CB8AC3E}">
+        <p14:creationId xmlns:p14="http://schemas.microsoft.com/office/powerpoint/2010/main" val="1935737617"/>
+      </p:ext>
+    </p:extLst>
+  </p:cSld>
+  <p:clrMapOvr>
+    <a:masterClrMapping/>
+  </p:clrMapOvr>
+</p:sld>
+</file>
+
 <file path=ppt/theme/theme1.xml><?xml version="1.0" encoding="utf-8"?>
 <a:theme xmlns:a="http://schemas.openxmlformats.org/drawingml/2006/main" name="Office Theme">
   <a:themeElements>

--- a/Tugas.pptx
+++ b/Tugas.pptx
@@ -10,6 +10,7 @@
     <p:sldId id="267" r:id="rId4"/>
     <p:sldId id="268" r:id="rId5"/>
     <p:sldId id="269" r:id="rId6"/>
+    <p:sldId id="270" r:id="rId7"/>
   </p:sldIdLst>
   <p:sldSz cx="12192000" cy="6858000"/>
   <p:notesSz cx="6858000" cy="9144000"/>
@@ -263,7 +264,7 @@
           <a:p>
             <a:fld id="{5B3CB4CE-A440-4301-A5A6-3B71635A135D}" type="datetimeFigureOut">
               <a:rPr lang="en-US" smtClean="0"/>
-              <a:t>9/19/2023</a:t>
+              <a:t>9/20/2023</a:t>
             </a:fld>
             <a:endParaRPr lang="en-US"/>
           </a:p>
@@ -461,7 +462,7 @@
           <a:p>
             <a:fld id="{5B3CB4CE-A440-4301-A5A6-3B71635A135D}" type="datetimeFigureOut">
               <a:rPr lang="en-US" smtClean="0"/>
-              <a:t>9/19/2023</a:t>
+              <a:t>9/20/2023</a:t>
             </a:fld>
             <a:endParaRPr lang="en-US"/>
           </a:p>
@@ -669,7 +670,7 @@
           <a:p>
             <a:fld id="{5B3CB4CE-A440-4301-A5A6-3B71635A135D}" type="datetimeFigureOut">
               <a:rPr lang="en-US" smtClean="0"/>
-              <a:t>9/19/2023</a:t>
+              <a:t>9/20/2023</a:t>
             </a:fld>
             <a:endParaRPr lang="en-US"/>
           </a:p>
@@ -867,7 +868,7 @@
           <a:p>
             <a:fld id="{5B3CB4CE-A440-4301-A5A6-3B71635A135D}" type="datetimeFigureOut">
               <a:rPr lang="en-US" smtClean="0"/>
-              <a:t>9/19/2023</a:t>
+              <a:t>9/20/2023</a:t>
             </a:fld>
             <a:endParaRPr lang="en-US"/>
           </a:p>
@@ -1142,7 +1143,7 @@
           <a:p>
             <a:fld id="{5B3CB4CE-A440-4301-A5A6-3B71635A135D}" type="datetimeFigureOut">
               <a:rPr lang="en-US" smtClean="0"/>
-              <a:t>9/19/2023</a:t>
+              <a:t>9/20/2023</a:t>
             </a:fld>
             <a:endParaRPr lang="en-US"/>
           </a:p>
@@ -1407,7 +1408,7 @@
           <a:p>
             <a:fld id="{5B3CB4CE-A440-4301-A5A6-3B71635A135D}" type="datetimeFigureOut">
               <a:rPr lang="en-US" smtClean="0"/>
-              <a:t>9/19/2023</a:t>
+              <a:t>9/20/2023</a:t>
             </a:fld>
             <a:endParaRPr lang="en-US"/>
           </a:p>
@@ -1819,7 +1820,7 @@
           <a:p>
             <a:fld id="{5B3CB4CE-A440-4301-A5A6-3B71635A135D}" type="datetimeFigureOut">
               <a:rPr lang="en-US" smtClean="0"/>
-              <a:t>9/19/2023</a:t>
+              <a:t>9/20/2023</a:t>
             </a:fld>
             <a:endParaRPr lang="en-US"/>
           </a:p>
@@ -1960,7 +1961,7 @@
           <a:p>
             <a:fld id="{5B3CB4CE-A440-4301-A5A6-3B71635A135D}" type="datetimeFigureOut">
               <a:rPr lang="en-US" smtClean="0"/>
-              <a:t>9/19/2023</a:t>
+              <a:t>9/20/2023</a:t>
             </a:fld>
             <a:endParaRPr lang="en-US"/>
           </a:p>
@@ -2073,7 +2074,7 @@
           <a:p>
             <a:fld id="{5B3CB4CE-A440-4301-A5A6-3B71635A135D}" type="datetimeFigureOut">
               <a:rPr lang="en-US" smtClean="0"/>
-              <a:t>9/19/2023</a:t>
+              <a:t>9/20/2023</a:t>
             </a:fld>
             <a:endParaRPr lang="en-US"/>
           </a:p>
@@ -2384,7 +2385,7 @@
           <a:p>
             <a:fld id="{5B3CB4CE-A440-4301-A5A6-3B71635A135D}" type="datetimeFigureOut">
               <a:rPr lang="en-US" smtClean="0"/>
-              <a:t>9/19/2023</a:t>
+              <a:t>9/20/2023</a:t>
             </a:fld>
             <a:endParaRPr lang="en-US"/>
           </a:p>
@@ -2672,7 +2673,7 @@
           <a:p>
             <a:fld id="{5B3CB4CE-A440-4301-A5A6-3B71635A135D}" type="datetimeFigureOut">
               <a:rPr lang="en-US" smtClean="0"/>
-              <a:t>9/19/2023</a:t>
+              <a:t>9/20/2023</a:t>
             </a:fld>
             <a:endParaRPr lang="en-US"/>
           </a:p>
@@ -2913,7 +2914,7 @@
           <a:p>
             <a:fld id="{5B3CB4CE-A440-4301-A5A6-3B71635A135D}" type="datetimeFigureOut">
               <a:rPr lang="en-US" smtClean="0"/>
-              <a:t>9/19/2023</a:t>
+              <a:t>9/20/2023</a:t>
             </a:fld>
             <a:endParaRPr lang="en-US"/>
           </a:p>
@@ -4123,6 +4124,204 @@
 </p:sld>
 </file>
 
+<file path=ppt/slides/slide6.xml><?xml version="1.0" encoding="utf-8"?>
+<p:sld xmlns:a="http://schemas.openxmlformats.org/drawingml/2006/main" xmlns:r="http://schemas.openxmlformats.org/officeDocument/2006/relationships" xmlns:p="http://schemas.openxmlformats.org/presentationml/2006/main">
+  <p:cSld>
+    <p:spTree>
+      <p:nvGrpSpPr>
+        <p:cNvPr id="1" name=""/>
+        <p:cNvGrpSpPr/>
+        <p:nvPr/>
+      </p:nvGrpSpPr>
+      <p:grpSpPr>
+        <a:xfrm>
+          <a:off x="0" y="0"/>
+          <a:ext cx="0" cy="0"/>
+          <a:chOff x="0" y="0"/>
+          <a:chExt cx="0" cy="0"/>
+        </a:xfrm>
+      </p:grpSpPr>
+      <p:sp>
+        <p:nvSpPr>
+          <p:cNvPr id="2" name="Title 1">
+            <a:extLst>
+              <a:ext uri="{FF2B5EF4-FFF2-40B4-BE49-F238E27FC236}">
+                <a16:creationId xmlns:a16="http://schemas.microsoft.com/office/drawing/2014/main" id="{D33320DF-9F13-4EA0-6CDF-8739692A6A02}"/>
+              </a:ext>
+            </a:extLst>
+          </p:cNvPr>
+          <p:cNvSpPr>
+            <a:spLocks noGrp="1"/>
+          </p:cNvSpPr>
+          <p:nvPr>
+            <p:ph type="title"/>
+          </p:nvPr>
+        </p:nvSpPr>
+        <p:spPr/>
+        <p:txBody>
+          <a:bodyPr>
+            <a:normAutofit/>
+          </a:bodyPr>
+          <a:lstStyle/>
+          <a:p>
+            <a:r>
+              <a:rPr lang="en-US" b="1" dirty="0"/>
+              <a:t>Milestone 5</a:t>
+            </a:r>
+          </a:p>
+        </p:txBody>
+      </p:sp>
+      <p:sp>
+        <p:nvSpPr>
+          <p:cNvPr id="3" name="Content Placeholder 2">
+            <a:extLst>
+              <a:ext uri="{FF2B5EF4-FFF2-40B4-BE49-F238E27FC236}">
+                <a16:creationId xmlns:a16="http://schemas.microsoft.com/office/drawing/2014/main" id="{74EB660E-B0B5-4E79-660B-2F35F2A72BC9}"/>
+              </a:ext>
+            </a:extLst>
+          </p:cNvPr>
+          <p:cNvSpPr>
+            <a:spLocks noGrp="1"/>
+          </p:cNvSpPr>
+          <p:nvPr>
+            <p:ph idx="1"/>
+          </p:nvPr>
+        </p:nvSpPr>
+        <p:spPr/>
+        <p:txBody>
+          <a:bodyPr>
+            <a:normAutofit lnSpcReduction="10000"/>
+          </a:bodyPr>
+          <a:lstStyle/>
+          <a:p>
+            <a:pPr>
+              <a:buFont typeface="Wingdings" panose="05000000000000000000" pitchFamily="2" charset="2"/>
+              <a:buChar char="§"/>
+            </a:pPr>
+            <a:r>
+              <a:rPr lang="en-US" dirty="0"/>
+              <a:t> System description</a:t>
+            </a:r>
+          </a:p>
+          <a:p>
+            <a:pPr>
+              <a:buFont typeface="Wingdings" panose="05000000000000000000" pitchFamily="2" charset="2"/>
+              <a:buChar char="§"/>
+            </a:pPr>
+            <a:r>
+              <a:rPr lang="en-US" dirty="0"/>
+              <a:t> List of actors/users</a:t>
+            </a:r>
+          </a:p>
+          <a:p>
+            <a:pPr>
+              <a:buFont typeface="Wingdings" panose="05000000000000000000" pitchFamily="2" charset="2"/>
+              <a:buChar char="§"/>
+            </a:pPr>
+            <a:r>
+              <a:rPr lang="en-US" dirty="0"/>
+              <a:t> List of features (functional requirements)</a:t>
+            </a:r>
+          </a:p>
+          <a:p>
+            <a:pPr>
+              <a:buFont typeface="Wingdings" panose="05000000000000000000" pitchFamily="2" charset="2"/>
+              <a:buChar char="§"/>
+            </a:pPr>
+            <a:r>
+              <a:rPr lang="en-US" dirty="0"/>
+              <a:t> List of non-functional requirements</a:t>
+            </a:r>
+          </a:p>
+          <a:p>
+            <a:pPr>
+              <a:buFont typeface="Wingdings" panose="05000000000000000000" pitchFamily="2" charset="2"/>
+              <a:buChar char="§"/>
+            </a:pPr>
+            <a:r>
+              <a:rPr lang="en-US" dirty="0"/>
+              <a:t> (Optional) Operational requirements</a:t>
+            </a:r>
+          </a:p>
+          <a:p>
+            <a:pPr>
+              <a:buFont typeface="Wingdings" panose="05000000000000000000" pitchFamily="2" charset="2"/>
+              <a:buChar char="§"/>
+            </a:pPr>
+            <a:r>
+              <a:rPr lang="en-US" dirty="0"/>
+              <a:t> Data model</a:t>
+            </a:r>
+          </a:p>
+          <a:p>
+            <a:pPr>
+              <a:buFont typeface="Wingdings" panose="05000000000000000000" pitchFamily="2" charset="2"/>
+              <a:buChar char="§"/>
+            </a:pPr>
+            <a:r>
+              <a:rPr lang="en-US" dirty="0"/>
+              <a:t> Feature flow (1 main feature)</a:t>
+            </a:r>
+          </a:p>
+          <a:p>
+            <a:pPr>
+              <a:buFont typeface="Wingdings" panose="05000000000000000000" pitchFamily="2" charset="2"/>
+              <a:buChar char="§"/>
+            </a:pPr>
+            <a:r>
+              <a:rPr lang="en-US" dirty="0"/>
+              <a:t> Test scenario for the feature flow</a:t>
+            </a:r>
+          </a:p>
+          <a:p>
+            <a:pPr>
+              <a:buFont typeface="Wingdings" panose="05000000000000000000" pitchFamily="2" charset="2"/>
+              <a:buChar char="§"/>
+            </a:pPr>
+            <a:r>
+              <a:rPr lang="en-US" dirty="0"/>
+              <a:t> </a:t>
+            </a:r>
+            <a:r>
+              <a:rPr lang="en-US" dirty="0">
+                <a:solidFill>
+                  <a:srgbClr val="FF0000"/>
+                </a:solidFill>
+              </a:rPr>
+              <a:t>DFD (</a:t>
+            </a:r>
+            <a:r>
+              <a:rPr lang="en-US">
+                <a:solidFill>
+                  <a:srgbClr val="FF0000"/>
+                </a:solidFill>
+              </a:rPr>
+              <a:t>Level 0,1) </a:t>
+            </a:r>
+            <a:r>
+              <a:rPr lang="en-US" dirty="0">
+                <a:solidFill>
+                  <a:srgbClr val="FF0000"/>
+                </a:solidFill>
+              </a:rPr>
+              <a:t>&amp; flowchart (main features)</a:t>
+            </a:r>
+          </a:p>
+        </p:txBody>
+      </p:sp>
+    </p:spTree>
+    <p:extLst>
+      <p:ext uri="{BB962C8B-B14F-4D97-AF65-F5344CB8AC3E}">
+        <p14:creationId xmlns:p14="http://schemas.microsoft.com/office/powerpoint/2010/main" val="648680665"/>
+      </p:ext>
+    </p:extLst>
+  </p:cSld>
+  <p:clrMapOvr>
+    <a:masterClrMapping/>
+  </p:clrMapOvr>
+</p:sld>
+</file>
+
 <file path=ppt/theme/theme1.xml><?xml version="1.0" encoding="utf-8"?>
 <a:theme xmlns:a="http://schemas.openxmlformats.org/drawingml/2006/main" name="Office Theme">
   <a:themeElements>
